--- a/Guía para el uso de jira.pptx
+++ b/Guía para el uso de jira.pptx
@@ -110,6 +110,11 @@
       </a:defRPr>
     </a:lvl9pPr>
   </p:defaultTextStyle>
+  <p:extLst>
+    <p:ext uri="{EFAFB233-063F-42B5-8137-9DF3F51BA10A}">
+      <p15:sldGuideLst xmlns:p15="http://schemas.microsoft.com/office/powerpoint/2012/main"/>
+    </p:ext>
+  </p:extLst>
 </p:presentation>
 </file>
 
@@ -835,7 +840,7 @@
           <a:p>
             <a:fld id="{83EE5379-9673-4D65-B3C9-A7646F89B302}" type="datetimeFigureOut">
               <a:rPr lang="es-CR" smtClean="0"/>
-              <a:t>18/5/2020</a:t>
+              <a:t>20/5/2020</a:t>
             </a:fld>
             <a:endParaRPr lang="es-CR"/>
           </a:p>
@@ -1086,7 +1091,7 @@
           <a:p>
             <a:fld id="{83EE5379-9673-4D65-B3C9-A7646F89B302}" type="datetimeFigureOut">
               <a:rPr lang="es-CR" smtClean="0"/>
-              <a:t>18/5/2020</a:t>
+              <a:t>20/5/2020</a:t>
             </a:fld>
             <a:endParaRPr lang="es-CR"/>
           </a:p>
@@ -1400,7 +1405,7 @@
           <a:p>
             <a:fld id="{83EE5379-9673-4D65-B3C9-A7646F89B302}" type="datetimeFigureOut">
               <a:rPr lang="es-CR" smtClean="0"/>
-              <a:t>18/5/2020</a:t>
+              <a:t>20/5/2020</a:t>
             </a:fld>
             <a:endParaRPr lang="es-CR"/>
           </a:p>
@@ -1741,7 +1746,7 @@
           <a:p>
             <a:fld id="{83EE5379-9673-4D65-B3C9-A7646F89B302}" type="datetimeFigureOut">
               <a:rPr lang="es-CR" smtClean="0"/>
-              <a:t>18/5/2020</a:t>
+              <a:t>20/5/2020</a:t>
             </a:fld>
             <a:endParaRPr lang="es-CR"/>
           </a:p>
@@ -2055,7 +2060,7 @@
           <a:p>
             <a:fld id="{83EE5379-9673-4D65-B3C9-A7646F89B302}" type="datetimeFigureOut">
               <a:rPr lang="es-CR" smtClean="0"/>
-              <a:t>18/5/2020</a:t>
+              <a:t>20/5/2020</a:t>
             </a:fld>
             <a:endParaRPr lang="es-CR"/>
           </a:p>
@@ -2448,7 +2453,7 @@
           <a:p>
             <a:fld id="{83EE5379-9673-4D65-B3C9-A7646F89B302}" type="datetimeFigureOut">
               <a:rPr lang="es-CR" smtClean="0"/>
-              <a:t>18/5/2020</a:t>
+              <a:t>20/5/2020</a:t>
             </a:fld>
             <a:endParaRPr lang="es-CR"/>
           </a:p>
@@ -2618,7 +2623,7 @@
           <a:p>
             <a:fld id="{83EE5379-9673-4D65-B3C9-A7646F89B302}" type="datetimeFigureOut">
               <a:rPr lang="es-CR" smtClean="0"/>
-              <a:t>18/5/2020</a:t>
+              <a:t>20/5/2020</a:t>
             </a:fld>
             <a:endParaRPr lang="es-CR"/>
           </a:p>
@@ -2798,7 +2803,7 @@
           <a:p>
             <a:fld id="{83EE5379-9673-4D65-B3C9-A7646F89B302}" type="datetimeFigureOut">
               <a:rPr lang="es-CR" smtClean="0"/>
-              <a:t>18/5/2020</a:t>
+              <a:t>20/5/2020</a:t>
             </a:fld>
             <a:endParaRPr lang="es-CR"/>
           </a:p>
@@ -2974,7 +2979,7 @@
           <a:p>
             <a:fld id="{83EE5379-9673-4D65-B3C9-A7646F89B302}" type="datetimeFigureOut">
               <a:rPr lang="es-CR" smtClean="0"/>
-              <a:t>18/5/2020</a:t>
+              <a:t>20/5/2020</a:t>
             </a:fld>
             <a:endParaRPr lang="es-CR"/>
           </a:p>
@@ -3221,7 +3226,7 @@
           <a:p>
             <a:fld id="{83EE5379-9673-4D65-B3C9-A7646F89B302}" type="datetimeFigureOut">
               <a:rPr lang="es-CR" smtClean="0"/>
-              <a:t>18/5/2020</a:t>
+              <a:t>20/5/2020</a:t>
             </a:fld>
             <a:endParaRPr lang="es-CR"/>
           </a:p>
@@ -3453,7 +3458,7 @@
           <a:p>
             <a:fld id="{83EE5379-9673-4D65-B3C9-A7646F89B302}" type="datetimeFigureOut">
               <a:rPr lang="es-CR" smtClean="0"/>
-              <a:t>18/5/2020</a:t>
+              <a:t>20/5/2020</a:t>
             </a:fld>
             <a:endParaRPr lang="es-CR"/>
           </a:p>
@@ -3827,7 +3832,7 @@
           <a:p>
             <a:fld id="{83EE5379-9673-4D65-B3C9-A7646F89B302}" type="datetimeFigureOut">
               <a:rPr lang="es-CR" smtClean="0"/>
-              <a:t>18/5/2020</a:t>
+              <a:t>20/5/2020</a:t>
             </a:fld>
             <a:endParaRPr lang="es-CR"/>
           </a:p>
@@ -3950,7 +3955,7 @@
           <a:p>
             <a:fld id="{83EE5379-9673-4D65-B3C9-A7646F89B302}" type="datetimeFigureOut">
               <a:rPr lang="es-CR" smtClean="0"/>
-              <a:t>18/5/2020</a:t>
+              <a:t>20/5/2020</a:t>
             </a:fld>
             <a:endParaRPr lang="es-CR"/>
           </a:p>
@@ -4045,7 +4050,7 @@
           <a:p>
             <a:fld id="{83EE5379-9673-4D65-B3C9-A7646F89B302}" type="datetimeFigureOut">
               <a:rPr lang="es-CR" smtClean="0"/>
-              <a:t>18/5/2020</a:t>
+              <a:t>20/5/2020</a:t>
             </a:fld>
             <a:endParaRPr lang="es-CR"/>
           </a:p>
@@ -4300,7 +4305,7 @@
           <a:p>
             <a:fld id="{83EE5379-9673-4D65-B3C9-A7646F89B302}" type="datetimeFigureOut">
               <a:rPr lang="es-CR" smtClean="0"/>
-              <a:t>18/5/2020</a:t>
+              <a:t>20/5/2020</a:t>
             </a:fld>
             <a:endParaRPr lang="es-CR"/>
           </a:p>
@@ -4563,7 +4568,7 @@
           <a:p>
             <a:fld id="{83EE5379-9673-4D65-B3C9-A7646F89B302}" type="datetimeFigureOut">
               <a:rPr lang="es-CR" smtClean="0"/>
-              <a:t>18/5/2020</a:t>
+              <a:t>20/5/2020</a:t>
             </a:fld>
             <a:endParaRPr lang="es-CR"/>
           </a:p>
@@ -5306,7 +5311,7 @@
           <a:p>
             <a:fld id="{83EE5379-9673-4D65-B3C9-A7646F89B302}" type="datetimeFigureOut">
               <a:rPr lang="es-CR" smtClean="0"/>
-              <a:t>18/5/2020</a:t>
+              <a:t>20/5/2020</a:t>
             </a:fld>
             <a:endParaRPr lang="es-CR"/>
           </a:p>
@@ -5895,8 +5900,8 @@
           </a:p>
           <a:p>
             <a:r>
-              <a:rPr lang="en-US" dirty="0"/>
-              <a:t>Sebastian</a:t>
+              <a:rPr lang="en-US"/>
+              <a:t>Sebastian Moya Monge 2019077209</a:t>
             </a:r>
             <a:endParaRPr lang="es-CR" dirty="0"/>
           </a:p>
